--- a/Nuance.pptx
+++ b/Nuance.pptx
@@ -5811,7 +5811,7 @@
           <a:p>
             <a:fld id="{70FAA508-F0CD-46EA-95FB-26B559A0B5D9}" type="datetimeFigureOut">
               <a:rPr lang="en-US" smtClean="0"/>
-              <a:t>10/6/12</a:t>
+              <a:t>10/7/12</a:t>
             </a:fld>
             <a:endParaRPr lang="en-US"/>
           </a:p>
@@ -6132,7 +6132,7 @@
           <a:p>
             <a:fld id="{70FAA508-F0CD-46EA-95FB-26B559A0B5D9}" type="datetimeFigureOut">
               <a:rPr lang="en-US" smtClean="0"/>
-              <a:t>10/6/12</a:t>
+              <a:t>10/7/12</a:t>
             </a:fld>
             <a:endParaRPr lang="en-US"/>
           </a:p>
@@ -6409,7 +6409,7 @@
           <a:p>
             <a:fld id="{70FAA508-F0CD-46EA-95FB-26B559A0B5D9}" type="datetimeFigureOut">
               <a:rPr lang="en-US" smtClean="0"/>
-              <a:t>10/6/12</a:t>
+              <a:t>10/7/12</a:t>
             </a:fld>
             <a:endParaRPr lang="en-US"/>
           </a:p>
@@ -6703,7 +6703,7 @@
           <a:p>
             <a:fld id="{70FAA508-F0CD-46EA-95FB-26B559A0B5D9}" type="datetimeFigureOut">
               <a:rPr lang="en-US" smtClean="0"/>
-              <a:t>10/6/12</a:t>
+              <a:t>10/7/12</a:t>
             </a:fld>
             <a:endParaRPr lang="en-US"/>
           </a:p>
@@ -7032,7 +7032,7 @@
           <a:p>
             <a:fld id="{70FAA508-F0CD-46EA-95FB-26B559A0B5D9}" type="datetimeFigureOut">
               <a:rPr lang="en-US" smtClean="0"/>
-              <a:t>10/6/12</a:t>
+              <a:t>10/7/12</a:t>
             </a:fld>
             <a:endParaRPr lang="en-US"/>
           </a:p>
@@ -7311,7 +7311,7 @@
           <a:p>
             <a:fld id="{70FAA508-F0CD-46EA-95FB-26B559A0B5D9}" type="datetimeFigureOut">
               <a:rPr lang="en-US" smtClean="0"/>
-              <a:t>10/6/12</a:t>
+              <a:t>10/7/12</a:t>
             </a:fld>
             <a:endParaRPr lang="en-US"/>
           </a:p>
@@ -7518,7 +7518,7 @@
           <a:p>
             <a:fld id="{70FAA508-F0CD-46EA-95FB-26B559A0B5D9}" type="datetimeFigureOut">
               <a:rPr lang="en-US" smtClean="0"/>
-              <a:t>10/6/12</a:t>
+              <a:t>10/7/12</a:t>
             </a:fld>
             <a:endParaRPr lang="en-US"/>
           </a:p>
@@ -7715,7 +7715,7 @@
           <a:p>
             <a:fld id="{70FAA508-F0CD-46EA-95FB-26B559A0B5D9}" type="datetimeFigureOut">
               <a:rPr lang="en-US" smtClean="0"/>
-              <a:t>10/6/12</a:t>
+              <a:t>10/7/12</a:t>
             </a:fld>
             <a:endParaRPr lang="en-US"/>
           </a:p>
@@ -7984,7 +7984,7 @@
           <a:p>
             <a:fld id="{70FAA508-F0CD-46EA-95FB-26B559A0B5D9}" type="datetimeFigureOut">
               <a:rPr lang="en-US" smtClean="0"/>
-              <a:t>10/6/12</a:t>
+              <a:t>10/7/12</a:t>
             </a:fld>
             <a:endParaRPr lang="en-US"/>
           </a:p>
@@ -8291,7 +8291,7 @@
           <a:p>
             <a:fld id="{70FAA508-F0CD-46EA-95FB-26B559A0B5D9}" type="datetimeFigureOut">
               <a:rPr lang="en-US" smtClean="0"/>
-              <a:t>10/6/12</a:t>
+              <a:t>10/7/12</a:t>
             </a:fld>
             <a:endParaRPr lang="en-US"/>
           </a:p>
@@ -8639,7 +8639,7 @@
           <a:p>
             <a:fld id="{70FAA508-F0CD-46EA-95FB-26B559A0B5D9}" type="datetimeFigureOut">
               <a:rPr lang="en-US" smtClean="0"/>
-              <a:t>10/6/12</a:t>
+              <a:t>10/7/12</a:t>
             </a:fld>
             <a:endParaRPr lang="en-US"/>
           </a:p>
@@ -9125,7 +9125,7 @@
           <a:p>
             <a:fld id="{70FAA508-F0CD-46EA-95FB-26B559A0B5D9}" type="datetimeFigureOut">
               <a:rPr lang="en-US" smtClean="0"/>
-              <a:t>10/6/12</a:t>
+              <a:t>10/7/12</a:t>
             </a:fld>
             <a:endParaRPr lang="en-US"/>
           </a:p>
@@ -9471,7 +9471,7 @@
           <a:p>
             <a:fld id="{70FAA508-F0CD-46EA-95FB-26B559A0B5D9}" type="datetimeFigureOut">
               <a:rPr lang="en-US" smtClean="0"/>
-              <a:t>10/6/12</a:t>
+              <a:t>10/7/12</a:t>
             </a:fld>
             <a:endParaRPr lang="en-US"/>
           </a:p>
@@ -9561,7 +9561,7 @@
           <a:p>
             <a:fld id="{70FAA508-F0CD-46EA-95FB-26B559A0B5D9}" type="datetimeFigureOut">
               <a:rPr lang="en-US" smtClean="0"/>
-              <a:t>10/6/12</a:t>
+              <a:t>10/7/12</a:t>
             </a:fld>
             <a:endParaRPr lang="en-US"/>
           </a:p>
@@ -9926,7 +9926,7 @@
           <a:p>
             <a:fld id="{70FAA508-F0CD-46EA-95FB-26B559A0B5D9}" type="datetimeFigureOut">
               <a:rPr lang="en-US" smtClean="0"/>
-              <a:t>10/6/12</a:t>
+              <a:t>10/7/12</a:t>
             </a:fld>
             <a:endParaRPr lang="en-US"/>
           </a:p>
@@ -10166,7 +10166,7 @@
           <a:p>
             <a:fld id="{70FAA508-F0CD-46EA-95FB-26B559A0B5D9}" type="datetimeFigureOut">
               <a:rPr lang="en-US" smtClean="0"/>
-              <a:t>10/6/12</a:t>
+              <a:t>10/7/12</a:t>
             </a:fld>
             <a:endParaRPr lang="en-US"/>
           </a:p>
@@ -10734,15 +10734,7 @@
                   <a:srgbClr val="800000"/>
                 </a:solidFill>
               </a:rPr>
-              <a:t>up </a:t>
-            </a:r>
-            <a:r>
-              <a:rPr lang="en-US" i="1" smtClean="0">
-                <a:solidFill>
-                  <a:srgbClr val="800000"/>
-                </a:solidFill>
-              </a:rPr>
-              <a:t>details.</a:t>
+              <a:t>up details.</a:t>
             </a:r>
             <a:r>
               <a:rPr lang="en-US" i="1" dirty="0" smtClean="0">
@@ -10842,22 +10834,28 @@
       </p:pic>
       <p:pic>
         <p:nvPicPr>
-          <p:cNvPr id="5" name="Picture 4"/>
+          <p:cNvPr id="7" name="Picture 6" descr="Tapped_Logo_wTag.png"/>
           <p:cNvPicPr>
             <a:picLocks noChangeAspect="1"/>
           </p:cNvPicPr>
           <p:nvPr/>
         </p:nvPicPr>
         <p:blipFill>
-          <a:blip r:embed="rId3"/>
+          <a:blip r:embed="rId3">
+            <a:extLst>
+              <a:ext uri="{28A0092B-C50C-407E-A947-70E740481C1C}">
+                <a14:useLocalDpi xmlns:a14="http://schemas.microsoft.com/office/drawing/2010/main" val="0"/>
+              </a:ext>
+            </a:extLst>
+          </a:blip>
           <a:stretch>
             <a:fillRect/>
           </a:stretch>
         </p:blipFill>
         <p:spPr>
           <a:xfrm>
-            <a:off x="914399" y="609600"/>
-            <a:ext cx="7950201" cy="1310708"/>
+            <a:off x="1686171" y="159335"/>
+            <a:ext cx="6072440" cy="1997984"/>
           </a:xfrm>
           <a:prstGeom prst="rect">
             <a:avLst/>
@@ -10874,6 +10872,13 @@
   <p:clrMapOvr>
     <a:masterClrMapping/>
   </p:clrMapOvr>
+  <p:timing>
+    <p:tnLst>
+      <p:par>
+        <p:cTn xmlns:p14="http://schemas.microsoft.com/office/powerpoint/2010/main" id="1" dur="indefinite" restart="never" nodeType="tmRoot"/>
+      </p:par>
+    </p:tnLst>
+  </p:timing>
 </p:sld>
 </file>
 
@@ -11028,6 +11033,13 @@
   <p:clrMapOvr>
     <a:masterClrMapping/>
   </p:clrMapOvr>
+  <p:timing>
+    <p:tnLst>
+      <p:par>
+        <p:cTn xmlns:p14="http://schemas.microsoft.com/office/powerpoint/2010/main" id="1" dur="indefinite" restart="never" nodeType="tmRoot"/>
+      </p:par>
+    </p:tnLst>
+  </p:timing>
 </p:sld>
 </file>
 
@@ -11195,11 +11207,18 @@
   <p:clrMapOvr>
     <a:masterClrMapping/>
   </p:clrMapOvr>
+  <p:timing>
+    <p:tnLst>
+      <p:par>
+        <p:cTn xmlns:p14="http://schemas.microsoft.com/office/powerpoint/2010/main" id="1" dur="indefinite" restart="never" nodeType="tmRoot"/>
+      </p:par>
+    </p:tnLst>
+  </p:timing>
 </p:sld>
 </file>
 
 <file path=ppt/slides/slide4.xml><?xml version="1.0" encoding="utf-8"?>
-<p:sld xmlns:a="http://schemas.openxmlformats.org/drawingml/2006/main" xmlns:r="http://schemas.openxmlformats.org/officeDocument/2006/relationships" xmlns:p="http://schemas.openxmlformats.org/presentationml/2006/main">
+<p:sld xmlns:a="http://schemas.openxmlformats.org/drawingml/2006/main" xmlns:r="http://schemas.openxmlformats.org/officeDocument/2006/relationships" xmlns:p="http://schemas.openxmlformats.org/presentationml/2006/main" show="0">
   <p:cSld>
     <p:spTree>
       <p:nvGrpSpPr>
@@ -11297,6 +11316,21 @@
   <p:clrMapOvr>
     <a:masterClrMapping/>
   </p:clrMapOvr>
+  <mc:AlternateContent xmlns:mc="http://schemas.openxmlformats.org/markup-compatibility/2006">
+    <mc:Choice xmlns:p14="http://schemas.microsoft.com/office/powerpoint/2010/main" Requires="p14">
+      <p:transition spd="slow" p14:dur="2000"/>
+    </mc:Choice>
+    <mc:Fallback>
+      <p:transition xmlns:p14="http://schemas.microsoft.com/office/powerpoint/2010/main" spd="slow"/>
+    </mc:Fallback>
+  </mc:AlternateContent>
+  <p:timing>
+    <p:tnLst>
+      <p:par>
+        <p:cTn xmlns:p14="http://schemas.microsoft.com/office/powerpoint/2010/main" id="1" dur="indefinite" restart="never" nodeType="tmRoot"/>
+      </p:par>
+    </p:tnLst>
+  </p:timing>
 </p:sld>
 </file>
 
@@ -11405,6 +11439,13 @@
   <p:clrMapOvr>
     <a:masterClrMapping/>
   </p:clrMapOvr>
+  <p:timing>
+    <p:tnLst>
+      <p:par>
+        <p:cTn xmlns:p14="http://schemas.microsoft.com/office/powerpoint/2010/main" id="1" dur="indefinite" restart="never" nodeType="tmRoot"/>
+      </p:par>
+    </p:tnLst>
+  </p:timing>
 </p:sld>
 </file>
 
@@ -11513,6 +11554,13 @@
   <p:clrMapOvr>
     <a:masterClrMapping/>
   </p:clrMapOvr>
+  <p:timing>
+    <p:tnLst>
+      <p:par>
+        <p:cTn xmlns:p14="http://schemas.microsoft.com/office/powerpoint/2010/main" id="1" dur="indefinite" restart="never" nodeType="tmRoot"/>
+      </p:par>
+    </p:tnLst>
+  </p:timing>
 </p:sld>
 </file>
 
@@ -11621,6 +11669,13 @@
   <p:clrMapOvr>
     <a:masterClrMapping/>
   </p:clrMapOvr>
+  <p:timing>
+    <p:tnLst>
+      <p:par>
+        <p:cTn xmlns:p14="http://schemas.microsoft.com/office/powerpoint/2010/main" id="1" dur="indefinite" restart="never" nodeType="tmRoot"/>
+      </p:par>
+    </p:tnLst>
+  </p:timing>
 </p:sld>
 </file>
 
@@ -11749,6 +11804,13 @@
   <p:clrMapOvr>
     <a:masterClrMapping/>
   </p:clrMapOvr>
+  <p:timing>
+    <p:tnLst>
+      <p:par>
+        <p:cTn xmlns:p14="http://schemas.microsoft.com/office/powerpoint/2010/main" id="1" dur="indefinite" restart="never" nodeType="tmRoot"/>
+      </p:par>
+    </p:tnLst>
+  </p:timing>
 </p:sld>
 </file>
 
